--- a/visitacras.pptx
+++ b/visitacras.pptx
@@ -5,7 +5,7 @@
     <p:sldMasterId id="2147483650" r:id="rId4"/>
   </p:sldMasterIdLst>
   <p:notesMasterIdLst>
-    <p:notesMasterId r:id="rId11"/>
+    <p:notesMasterId r:id="rId12"/>
   </p:notesMasterIdLst>
   <p:sldIdLst>
     <p:sldId id="256" r:id="rId5"/>
@@ -13,7 +13,8 @@
     <p:sldId id="605" r:id="rId7"/>
     <p:sldId id="606" r:id="rId8"/>
     <p:sldId id="607" r:id="rId9"/>
-    <p:sldId id="584" r:id="rId10"/>
+    <p:sldId id="608" r:id="rId10"/>
+    <p:sldId id="584" r:id="rId11"/>
   </p:sldIdLst>
   <p:sldSz cx="24377650" cy="13716000"/>
   <p:notesSz cx="6858000" cy="9144000"/>
@@ -2074,6 +2075,195 @@
   <p:cSld>
     <p:spTree>
       <p:nvGrpSpPr>
+        <p:cNvPr id="1" name="Shape 19"/>
+        <p:cNvGrpSpPr/>
+        <p:nvPr/>
+      </p:nvGrpSpPr>
+      <p:grpSpPr>
+        <a:xfrm>
+          <a:off x="0" y="0"/>
+          <a:ext cx="0" cy="0"/>
+          <a:chOff x="0" y="0"/>
+          <a:chExt cx="0" cy="0"/>
+        </a:xfrm>
+      </p:grpSpPr>
+      <p:sp>
+        <p:nvSpPr>
+          <p:cNvPr id="20" name="Shape 20"/>
+          <p:cNvSpPr>
+            <a:spLocks noGrp="1" noRot="1" noChangeAspect="1"/>
+          </p:cNvSpPr>
+          <p:nvPr>
+            <p:ph type="sldImg" idx="2"/>
+          </p:nvPr>
+        </p:nvSpPr>
+        <p:spPr>
+          <a:xfrm>
+            <a:off x="687388" y="1143000"/>
+            <a:ext cx="5483225" cy="3086100"/>
+          </a:xfrm>
+          <a:custGeom>
+            <a:avLst/>
+            <a:gdLst/>
+            <a:ahLst/>
+            <a:cxnLst/>
+            <a:rect l="0" t="0" r="0" b="0"/>
+            <a:pathLst>
+              <a:path w="120000" h="120000" extrusionOk="0">
+                <a:moveTo>
+                  <a:pt x="0" y="0"/>
+                </a:moveTo>
+                <a:lnTo>
+                  <a:pt x="120000" y="0"/>
+                </a:lnTo>
+                <a:lnTo>
+                  <a:pt x="120000" y="120000"/>
+                </a:lnTo>
+                <a:lnTo>
+                  <a:pt x="0" y="120000"/>
+                </a:lnTo>
+                <a:close/>
+              </a:path>
+            </a:pathLst>
+          </a:custGeom>
+          <a:noFill/>
+          <a:ln w="12700" cap="flat" cmpd="sng">
+            <a:solidFill>
+              <a:srgbClr val="000000"/>
+            </a:solidFill>
+            <a:prstDash val="solid"/>
+            <a:round/>
+            <a:headEnd type="none" w="med" len="med"/>
+            <a:tailEnd type="none" w="med" len="med"/>
+          </a:ln>
+        </p:spPr>
+      </p:sp>
+      <p:sp>
+        <p:nvSpPr>
+          <p:cNvPr id="21" name="Shape 21"/>
+          <p:cNvSpPr txBox="1">
+            <a:spLocks noGrp="1"/>
+          </p:cNvSpPr>
+          <p:nvPr>
+            <p:ph type="body" idx="1"/>
+          </p:nvPr>
+        </p:nvSpPr>
+        <p:spPr>
+          <a:xfrm>
+            <a:off x="685800" y="4400550"/>
+            <a:ext cx="5486399" cy="3600450"/>
+          </a:xfrm>
+          <a:prstGeom prst="rect">
+            <a:avLst/>
+          </a:prstGeom>
+          <a:noFill/>
+          <a:ln>
+            <a:noFill/>
+          </a:ln>
+        </p:spPr>
+        <p:txBody>
+          <a:bodyPr lIns="91425" tIns="45700" rIns="91425" bIns="45700" anchor="t" anchorCtr="0">
+            <a:noAutofit/>
+          </a:bodyPr>
+          <a:lstStyle/>
+          <a:p>
+            <a:pPr marL="0" marR="0" lvl="0" indent="0" algn="l" rtl="0">
+              <a:spcBef>
+                <a:spcPts val="0"/>
+              </a:spcBef>
+              <a:buSzPct val="25000"/>
+              <a:buNone/>
+            </a:pPr>
+            <a:endParaRPr sz="2400" b="0" i="0" u="none" strike="noStrike" cap="none" dirty="0">
+              <a:solidFill>
+                <a:schemeClr val="dk1"/>
+              </a:solidFill>
+              <a:latin typeface="Calibri"/>
+              <a:ea typeface="Calibri"/>
+              <a:cs typeface="Calibri"/>
+              <a:sym typeface="Calibri"/>
+            </a:endParaRPr>
+          </a:p>
+        </p:txBody>
+      </p:sp>
+      <p:sp>
+        <p:nvSpPr>
+          <p:cNvPr id="22" name="Shape 22"/>
+          <p:cNvSpPr txBox="1">
+            <a:spLocks noGrp="1"/>
+          </p:cNvSpPr>
+          <p:nvPr>
+            <p:ph type="sldNum" idx="12"/>
+          </p:nvPr>
+        </p:nvSpPr>
+        <p:spPr>
+          <a:xfrm>
+            <a:off x="3884612" y="8685213"/>
+            <a:ext cx="2971799" cy="458786"/>
+          </a:xfrm>
+          <a:prstGeom prst="rect">
+            <a:avLst/>
+          </a:prstGeom>
+          <a:noFill/>
+          <a:ln>
+            <a:noFill/>
+          </a:ln>
+        </p:spPr>
+        <p:txBody>
+          <a:bodyPr lIns="91425" tIns="45700" rIns="91425" bIns="45700" anchor="b" anchorCtr="0">
+            <a:noAutofit/>
+          </a:bodyPr>
+          <a:lstStyle/>
+          <a:p>
+            <a:pPr marL="0" marR="0" lvl="0" indent="0" algn="r" rtl="0">
+              <a:spcBef>
+                <a:spcPts val="0"/>
+              </a:spcBef>
+              <a:buSzPct val="25000"/>
+              <a:buNone/>
+            </a:pPr>
+            <a:fld id="{00000000-1234-1234-1234-123412341234}" type="slidenum">
+              <a:rPr lang="de-DE" sz="1200">
+                <a:solidFill>
+                  <a:schemeClr val="dk1"/>
+                </a:solidFill>
+                <a:latin typeface="Calibri"/>
+                <a:ea typeface="Calibri"/>
+                <a:cs typeface="Calibri"/>
+                <a:sym typeface="Calibri"/>
+              </a:rPr>
+              <a:t>6</a:t>
+            </a:fld>
+            <a:endParaRPr lang="de-DE" sz="1200">
+              <a:solidFill>
+                <a:schemeClr val="dk1"/>
+              </a:solidFill>
+              <a:latin typeface="Calibri"/>
+              <a:ea typeface="Calibri"/>
+              <a:cs typeface="Calibri"/>
+              <a:sym typeface="Calibri"/>
+            </a:endParaRPr>
+          </a:p>
+        </p:txBody>
+      </p:sp>
+    </p:spTree>
+    <p:extLst>
+      <p:ext uri="{BB962C8B-B14F-4D97-AF65-F5344CB8AC3E}">
+        <p14:creationId xmlns:p14="http://schemas.microsoft.com/office/powerpoint/2010/main" val="236062794"/>
+      </p:ext>
+    </p:extLst>
+  </p:cSld>
+  <p:clrMapOvr>
+    <a:masterClrMapping/>
+  </p:clrMapOvr>
+</p:notes>
+</file>
+
+<file path=ppt/notesSlides/notesSlide7.xml><?xml version="1.0" encoding="utf-8"?>
+<p:notes xmlns:a="http://schemas.openxmlformats.org/drawingml/2006/main" xmlns:r="http://schemas.openxmlformats.org/officeDocument/2006/relationships" xmlns:p="http://schemas.openxmlformats.org/presentationml/2006/main" showMasterSp="0" showMasterPhAnim="0">
+  <p:cSld>
+    <p:spTree>
+      <p:nvGrpSpPr>
         <p:cNvPr id="1" name="Shape 12"/>
         <p:cNvGrpSpPr/>
         <p:nvPr/>
@@ -2231,7 +2421,7 @@
                 <a:cs typeface="Calibri"/>
                 <a:sym typeface="Calibri"/>
               </a:rPr>
-              <a:t>6</a:t>
+              <a:t>7</a:t>
             </a:fld>
             <a:endParaRPr lang="de-DE" sz="1200" b="0" i="0" u="none" strike="noStrike" cap="none">
               <a:solidFill>
@@ -4659,7 +4849,7 @@
                 <a:ea typeface="Proxima Nova Light" charset="0"/>
                 <a:cs typeface="Proxima Nova Light" charset="0"/>
               </a:rPr>
-              <a:t>Indo para prática: </a:t>
+              <a:t>1. Indo para prática: </a:t>
             </a:r>
             <a:endParaRPr lang="pt-BR" sz="7200" dirty="0">
               <a:solidFill>
@@ -4717,7 +4907,7 @@
         </p:nvSpPr>
         <p:spPr>
           <a:xfrm>
-            <a:off x="6670113" y="7031469"/>
+            <a:off x="4598720" y="4493543"/>
             <a:ext cx="16041032" cy="923330"/>
           </a:xfrm>
           <a:prstGeom prst="rect">
@@ -4764,8 +4954,184 @@
         </p:blipFill>
         <p:spPr>
           <a:xfrm>
-            <a:off x="2385814" y="5624625"/>
+            <a:off x="729114" y="2935565"/>
             <a:ext cx="3936531" cy="3737019"/>
+          </a:xfrm>
+          <a:prstGeom prst="rect">
+            <a:avLst/>
+          </a:prstGeom>
+        </p:spPr>
+      </p:pic>
+      <p:pic>
+        <p:nvPicPr>
+          <p:cNvPr id="24" name="Imagem 23">
+            <a:extLst>
+              <a:ext uri="{FF2B5EF4-FFF2-40B4-BE49-F238E27FC236}">
+                <a16:creationId xmlns:a16="http://schemas.microsoft.com/office/drawing/2014/main" id="{14ADEE57-902F-A19A-4070-B37B92A1BA41}"/>
+              </a:ext>
+            </a:extLst>
+          </p:cNvPr>
+          <p:cNvPicPr>
+            <a:picLocks noChangeAspect="1"/>
+          </p:cNvPicPr>
+          <p:nvPr/>
+        </p:nvPicPr>
+        <p:blipFill>
+          <a:blip r:embed="rId6"/>
+          <a:stretch>
+            <a:fillRect/>
+          </a:stretch>
+        </p:blipFill>
+        <p:spPr>
+          <a:xfrm>
+            <a:off x="729114" y="6863407"/>
+            <a:ext cx="9372494" cy="1562082"/>
+          </a:xfrm>
+          <a:prstGeom prst="rect">
+            <a:avLst/>
+          </a:prstGeom>
+        </p:spPr>
+      </p:pic>
+      <p:pic>
+        <p:nvPicPr>
+          <p:cNvPr id="25" name="Imagem 24">
+            <a:extLst>
+              <a:ext uri="{FF2B5EF4-FFF2-40B4-BE49-F238E27FC236}">
+                <a16:creationId xmlns:a16="http://schemas.microsoft.com/office/drawing/2014/main" id="{E1C04DEC-1674-B57E-39F1-B3A91072408A}"/>
+              </a:ext>
+            </a:extLst>
+          </p:cNvPr>
+          <p:cNvPicPr>
+            <a:picLocks noChangeAspect="1"/>
+          </p:cNvPicPr>
+          <p:nvPr/>
+        </p:nvPicPr>
+        <p:blipFill>
+          <a:blip r:embed="rId7"/>
+          <a:stretch>
+            <a:fillRect/>
+          </a:stretch>
+        </p:blipFill>
+        <p:spPr>
+          <a:xfrm>
+            <a:off x="1440934" y="8900159"/>
+            <a:ext cx="4126659" cy="3536026"/>
+          </a:xfrm>
+          <a:prstGeom prst="rect">
+            <a:avLst/>
+          </a:prstGeom>
+        </p:spPr>
+      </p:pic>
+      <p:sp>
+        <p:nvSpPr>
+          <p:cNvPr id="26" name="CaixaDeTexto 25">
+            <a:extLst>
+              <a:ext uri="{FF2B5EF4-FFF2-40B4-BE49-F238E27FC236}">
+                <a16:creationId xmlns:a16="http://schemas.microsoft.com/office/drawing/2014/main" id="{DC950EBF-B77C-9668-0776-ADC01FA8B682}"/>
+              </a:ext>
+            </a:extLst>
+          </p:cNvPr>
+          <p:cNvSpPr txBox="1"/>
+          <p:nvPr/>
+        </p:nvSpPr>
+        <p:spPr>
+          <a:xfrm>
+            <a:off x="10688809" y="7228949"/>
+            <a:ext cx="6149440" cy="830997"/>
+          </a:xfrm>
+          <a:prstGeom prst="rect">
+            <a:avLst/>
+          </a:prstGeom>
+          <a:noFill/>
+        </p:spPr>
+        <p:txBody>
+          <a:bodyPr wrap="square" rtlCol="0">
+            <a:spAutoFit/>
+          </a:bodyPr>
+          <a:lstStyle/>
+          <a:p>
+            <a:pPr marL="685800" indent="-685800">
+              <a:buFont typeface="Arial" panose="020B0604020202020204" pitchFamily="34" charset="0"/>
+              <a:buChar char="•"/>
+            </a:pPr>
+            <a:r>
+              <a:rPr lang="pt-BR" sz="4800" b="1" dirty="0"/>
+              <a:t>Clique em “</a:t>
+            </a:r>
+            <a:r>
+              <a:rPr lang="pt-BR" sz="4800" b="1" dirty="0" err="1"/>
+              <a:t>Code</a:t>
+            </a:r>
+            <a:r>
+              <a:rPr lang="pt-BR" sz="4800" b="1" dirty="0"/>
+              <a:t>”</a:t>
+            </a:r>
+          </a:p>
+        </p:txBody>
+      </p:sp>
+      <p:sp>
+        <p:nvSpPr>
+          <p:cNvPr id="27" name="CaixaDeTexto 26">
+            <a:extLst>
+              <a:ext uri="{FF2B5EF4-FFF2-40B4-BE49-F238E27FC236}">
+                <a16:creationId xmlns:a16="http://schemas.microsoft.com/office/drawing/2014/main" id="{B5599BF1-0578-7B0E-15DF-71F2EE9EFA1F}"/>
+              </a:ext>
+            </a:extLst>
+          </p:cNvPr>
+          <p:cNvSpPr txBox="1"/>
+          <p:nvPr/>
+        </p:nvSpPr>
+        <p:spPr>
+          <a:xfrm>
+            <a:off x="7189902" y="10252673"/>
+            <a:ext cx="9369873" cy="830997"/>
+          </a:xfrm>
+          <a:prstGeom prst="rect">
+            <a:avLst/>
+          </a:prstGeom>
+          <a:noFill/>
+        </p:spPr>
+        <p:txBody>
+          <a:bodyPr wrap="square" rtlCol="0">
+            <a:spAutoFit/>
+          </a:bodyPr>
+          <a:lstStyle/>
+          <a:p>
+            <a:pPr marL="685800" indent="-685800">
+              <a:buFont typeface="Arial" panose="020B0604020202020204" pitchFamily="34" charset="0"/>
+              <a:buChar char="•"/>
+            </a:pPr>
+            <a:r>
+              <a:rPr lang="pt-BR" sz="4800" b="1" dirty="0"/>
+              <a:t>E depois em “Download ZIP”</a:t>
+            </a:r>
+          </a:p>
+        </p:txBody>
+      </p:sp>
+      <p:pic>
+        <p:nvPicPr>
+          <p:cNvPr id="28" name="Imagem 27" descr="Imagem em preto e branco&#10;&#10;Descrição gerada automaticamente com confiança média">
+            <a:extLst>
+              <a:ext uri="{FF2B5EF4-FFF2-40B4-BE49-F238E27FC236}">
+                <a16:creationId xmlns:a16="http://schemas.microsoft.com/office/drawing/2014/main" id="{EAD3E3EE-1D66-CB99-0D83-1E084A21D177}"/>
+              </a:ext>
+            </a:extLst>
+          </p:cNvPr>
+          <p:cNvPicPr>
+            <a:picLocks noChangeAspect="1"/>
+          </p:cNvPicPr>
+          <p:nvPr/>
+        </p:nvPicPr>
+        <p:blipFill>
+          <a:blip r:embed="rId8"/>
+          <a:stretch>
+            <a:fillRect/>
+          </a:stretch>
+        </p:blipFill>
+        <p:spPr>
+          <a:xfrm rot="2353666" flipH="1">
+            <a:off x="15721812" y="8500876"/>
+            <a:ext cx="1675926" cy="1676410"/>
           </a:xfrm>
           <a:prstGeom prst="rect">
             <a:avLst/>
@@ -4789,6 +5155,476 @@
 </file>
 
 <file path=ppt/slides/slide6.xml><?xml version="1.0" encoding="utf-8"?>
+<p:sld xmlns:a="http://schemas.openxmlformats.org/drawingml/2006/main" xmlns:r="http://schemas.openxmlformats.org/officeDocument/2006/relationships" xmlns:p="http://schemas.openxmlformats.org/presentationml/2006/main">
+  <p:cSld>
+    <p:spTree>
+      <p:nvGrpSpPr>
+        <p:cNvPr id="1" name="Shape 23"/>
+        <p:cNvGrpSpPr/>
+        <p:nvPr/>
+      </p:nvGrpSpPr>
+      <p:grpSpPr>
+        <a:xfrm>
+          <a:off x="0" y="0"/>
+          <a:ext cx="0" cy="0"/>
+          <a:chOff x="0" y="0"/>
+          <a:chExt cx="0" cy="0"/>
+        </a:xfrm>
+      </p:grpSpPr>
+      <p:pic>
+        <p:nvPicPr>
+          <p:cNvPr id="8" name="Imagem 9">
+            <a:extLst>
+              <a:ext uri="{FF2B5EF4-FFF2-40B4-BE49-F238E27FC236}">
+                <a16:creationId xmlns:a16="http://schemas.microsoft.com/office/drawing/2014/main" id="{0482CC79-9C11-31CA-7197-7DED4AA241C5}"/>
+              </a:ext>
+            </a:extLst>
+          </p:cNvPr>
+          <p:cNvPicPr>
+            <a:picLocks noChangeAspect="1"/>
+          </p:cNvPicPr>
+          <p:nvPr/>
+        </p:nvPicPr>
+        <p:blipFill>
+          <a:blip r:embed="rId3"/>
+          <a:stretch>
+            <a:fillRect/>
+          </a:stretch>
+        </p:blipFill>
+        <p:spPr>
+          <a:xfrm>
+            <a:off x="0" y="0"/>
+            <a:ext cx="24393687" cy="2779070"/>
+          </a:xfrm>
+          <a:prstGeom prst="rect">
+            <a:avLst/>
+          </a:prstGeom>
+        </p:spPr>
+      </p:pic>
+      <p:sp>
+        <p:nvSpPr>
+          <p:cNvPr id="19" name="Retângulo 18"/>
+          <p:cNvSpPr/>
+          <p:nvPr/>
+        </p:nvSpPr>
+        <p:spPr>
+          <a:xfrm>
+            <a:off x="3124543" y="789370"/>
+            <a:ext cx="17500593" cy="1200329"/>
+          </a:xfrm>
+          <a:prstGeom prst="rect">
+            <a:avLst/>
+          </a:prstGeom>
+        </p:spPr>
+        <p:txBody>
+          <a:bodyPr wrap="square" lIns="91440" tIns="45720" rIns="91440" bIns="45720" anchor="t">
+            <a:spAutoFit/>
+          </a:bodyPr>
+          <a:lstStyle/>
+          <a:p>
+            <a:r>
+              <a:rPr lang="pt-BR" sz="7200" b="1" dirty="0">
+                <a:solidFill>
+                  <a:srgbClr val="FFFFFF"/>
+                </a:solidFill>
+                <a:latin typeface="Calibri"/>
+                <a:ea typeface="Proxima Nova Light" charset="0"/>
+                <a:cs typeface="Proxima Nova Light" charset="0"/>
+              </a:rPr>
+              <a:t>2. Indo para prática: </a:t>
+            </a:r>
+            <a:endParaRPr lang="pt-BR" sz="7200" dirty="0">
+              <a:solidFill>
+                <a:srgbClr val="FFFFFF"/>
+              </a:solidFill>
+              <a:effectLst/>
+              <a:latin typeface="Calibri Light"/>
+              <a:ea typeface="Proxima Nova Light" charset="0"/>
+              <a:cs typeface="Proxima Nova Light" charset="0"/>
+            </a:endParaRPr>
+          </a:p>
+        </p:txBody>
+      </p:sp>
+      <p:pic>
+        <p:nvPicPr>
+          <p:cNvPr id="6" name="Imagem 6" descr="Ícone&#10;&#10;Descrição gerada automaticamente">
+            <a:extLst>
+              <a:ext uri="{FF2B5EF4-FFF2-40B4-BE49-F238E27FC236}">
+                <a16:creationId xmlns:a16="http://schemas.microsoft.com/office/drawing/2014/main" id="{C0DF9EC3-AA60-1384-C016-77E28433D3BD}"/>
+              </a:ext>
+            </a:extLst>
+          </p:cNvPr>
+          <p:cNvPicPr>
+            <a:picLocks noChangeAspect="1"/>
+          </p:cNvPicPr>
+          <p:nvPr/>
+        </p:nvPicPr>
+        <p:blipFill>
+          <a:blip r:embed="rId4"/>
+          <a:stretch>
+            <a:fillRect/>
+          </a:stretch>
+        </p:blipFill>
+        <p:spPr>
+          <a:xfrm>
+            <a:off x="738729" y="715959"/>
+            <a:ext cx="1647085" cy="1446128"/>
+          </a:xfrm>
+          <a:prstGeom prst="rect">
+            <a:avLst/>
+          </a:prstGeom>
+        </p:spPr>
+      </p:pic>
+      <p:sp>
+        <p:nvSpPr>
+          <p:cNvPr id="26" name="CaixaDeTexto 25">
+            <a:extLst>
+              <a:ext uri="{FF2B5EF4-FFF2-40B4-BE49-F238E27FC236}">
+                <a16:creationId xmlns:a16="http://schemas.microsoft.com/office/drawing/2014/main" id="{F0966E82-DE1A-A989-89E1-76560028719C}"/>
+              </a:ext>
+            </a:extLst>
+          </p:cNvPr>
+          <p:cNvSpPr txBox="1"/>
+          <p:nvPr/>
+        </p:nvSpPr>
+        <p:spPr>
+          <a:xfrm>
+            <a:off x="7022921" y="4017599"/>
+            <a:ext cx="11953162" cy="923330"/>
+          </a:xfrm>
+          <a:prstGeom prst="rect">
+            <a:avLst/>
+          </a:prstGeom>
+          <a:noFill/>
+        </p:spPr>
+        <p:txBody>
+          <a:bodyPr wrap="square" rtlCol="0">
+            <a:spAutoFit/>
+          </a:bodyPr>
+          <a:lstStyle/>
+          <a:p>
+            <a:pPr marL="685800" indent="-685800">
+              <a:buFont typeface="Arial" panose="020B0604020202020204" pitchFamily="34" charset="0"/>
+              <a:buChar char="•"/>
+            </a:pPr>
+            <a:r>
+              <a:rPr lang="pt-BR" sz="5400" b="1" dirty="0"/>
+              <a:t>Selecione a pasta do seu projeto;</a:t>
+            </a:r>
+          </a:p>
+        </p:txBody>
+      </p:sp>
+      <p:pic>
+        <p:nvPicPr>
+          <p:cNvPr id="27" name="Imagem 26" descr="Tela de um aparelho celular&#10;&#10;Descrição gerada automaticamente com confiança baixa">
+            <a:extLst>
+              <a:ext uri="{FF2B5EF4-FFF2-40B4-BE49-F238E27FC236}">
+                <a16:creationId xmlns:a16="http://schemas.microsoft.com/office/drawing/2014/main" id="{51807102-A971-4677-FB79-6C7789222DD7}"/>
+              </a:ext>
+            </a:extLst>
+          </p:cNvPr>
+          <p:cNvPicPr>
+            <a:picLocks noChangeAspect="1"/>
+          </p:cNvPicPr>
+          <p:nvPr/>
+        </p:nvPicPr>
+        <p:blipFill>
+          <a:blip r:embed="rId5"/>
+          <a:stretch>
+            <a:fillRect/>
+          </a:stretch>
+        </p:blipFill>
+        <p:spPr>
+          <a:xfrm>
+            <a:off x="3773166" y="5934820"/>
+            <a:ext cx="4388439" cy="4388439"/>
+          </a:xfrm>
+          <a:prstGeom prst="rect">
+            <a:avLst/>
+          </a:prstGeom>
+        </p:spPr>
+      </p:pic>
+      <p:sp>
+        <p:nvSpPr>
+          <p:cNvPr id="28" name="CaixaDeTexto 27">
+            <a:extLst>
+              <a:ext uri="{FF2B5EF4-FFF2-40B4-BE49-F238E27FC236}">
+                <a16:creationId xmlns:a16="http://schemas.microsoft.com/office/drawing/2014/main" id="{B2AE0422-4052-5A3B-2D10-72A64B43C9F1}"/>
+              </a:ext>
+            </a:extLst>
+          </p:cNvPr>
+          <p:cNvSpPr txBox="1"/>
+          <p:nvPr/>
+        </p:nvSpPr>
+        <p:spPr>
+          <a:xfrm>
+            <a:off x="4721535" y="9757482"/>
+            <a:ext cx="2232325" cy="954107"/>
+          </a:xfrm>
+          <a:prstGeom prst="rect">
+            <a:avLst/>
+          </a:prstGeom>
+          <a:noFill/>
+        </p:spPr>
+        <p:txBody>
+          <a:bodyPr wrap="square" rtlCol="0">
+            <a:spAutoFit/>
+          </a:bodyPr>
+          <a:lstStyle/>
+          <a:p>
+            <a:pPr algn="ctr"/>
+            <a:r>
+              <a:rPr lang="pt-BR" sz="2800" dirty="0"/>
+              <a:t>1. Sensor de chuva</a:t>
+            </a:r>
+          </a:p>
+        </p:txBody>
+      </p:sp>
+      <p:sp>
+        <p:nvSpPr>
+          <p:cNvPr id="29" name="CaixaDeTexto 28">
+            <a:extLst>
+              <a:ext uri="{FF2B5EF4-FFF2-40B4-BE49-F238E27FC236}">
+                <a16:creationId xmlns:a16="http://schemas.microsoft.com/office/drawing/2014/main" id="{E6D91430-8F75-189A-0AA2-3F9F297DA3FD}"/>
+              </a:ext>
+            </a:extLst>
+          </p:cNvPr>
+          <p:cNvSpPr txBox="1"/>
+          <p:nvPr/>
+        </p:nvSpPr>
+        <p:spPr>
+          <a:xfrm>
+            <a:off x="8425966" y="9757482"/>
+            <a:ext cx="3657600" cy="954107"/>
+          </a:xfrm>
+          <a:prstGeom prst="rect">
+            <a:avLst/>
+          </a:prstGeom>
+          <a:noFill/>
+        </p:spPr>
+        <p:txBody>
+          <a:bodyPr wrap="square" rtlCol="0">
+            <a:spAutoFit/>
+          </a:bodyPr>
+          <a:lstStyle/>
+          <a:p>
+            <a:pPr algn="ctr"/>
+            <a:r>
+              <a:rPr lang="pt-BR" sz="2800" dirty="0"/>
+              <a:t>2. Sensor de presença</a:t>
+            </a:r>
+          </a:p>
+        </p:txBody>
+      </p:sp>
+      <p:pic>
+        <p:nvPicPr>
+          <p:cNvPr id="30" name="Imagem 29" descr="Placa de circuito eletrônico&#10;&#10;Descrição gerada automaticamente">
+            <a:extLst>
+              <a:ext uri="{FF2B5EF4-FFF2-40B4-BE49-F238E27FC236}">
+                <a16:creationId xmlns:a16="http://schemas.microsoft.com/office/drawing/2014/main" id="{9770E42A-5FA2-DE8E-E7B3-C9AC70EC70C1}"/>
+              </a:ext>
+            </a:extLst>
+          </p:cNvPr>
+          <p:cNvPicPr>
+            <a:picLocks noChangeAspect="1"/>
+          </p:cNvPicPr>
+          <p:nvPr/>
+        </p:nvPicPr>
+        <p:blipFill>
+          <a:blip r:embed="rId6"/>
+          <a:stretch>
+            <a:fillRect/>
+          </a:stretch>
+        </p:blipFill>
+        <p:spPr>
+          <a:xfrm>
+            <a:off x="16099961" y="6825490"/>
+            <a:ext cx="3502805" cy="3502805"/>
+          </a:xfrm>
+          <a:prstGeom prst="rect">
+            <a:avLst/>
+          </a:prstGeom>
+        </p:spPr>
+      </p:pic>
+      <p:sp>
+        <p:nvSpPr>
+          <p:cNvPr id="31" name="CaixaDeTexto 30">
+            <a:extLst>
+              <a:ext uri="{FF2B5EF4-FFF2-40B4-BE49-F238E27FC236}">
+                <a16:creationId xmlns:a16="http://schemas.microsoft.com/office/drawing/2014/main" id="{7A3706F7-ADE4-CDE9-B5BA-418A6832E604}"/>
+              </a:ext>
+            </a:extLst>
+          </p:cNvPr>
+          <p:cNvSpPr txBox="1"/>
+          <p:nvPr/>
+        </p:nvSpPr>
+        <p:spPr>
+          <a:xfrm>
+            <a:off x="16315413" y="9762024"/>
+            <a:ext cx="2820163" cy="954107"/>
+          </a:xfrm>
+          <a:prstGeom prst="rect">
+            <a:avLst/>
+          </a:prstGeom>
+          <a:noFill/>
+        </p:spPr>
+        <p:txBody>
+          <a:bodyPr wrap="square" rtlCol="0">
+            <a:spAutoFit/>
+          </a:bodyPr>
+          <a:lstStyle/>
+          <a:p>
+            <a:pPr algn="ctr"/>
+            <a:r>
+              <a:rPr lang="pt-BR" sz="2800" dirty="0"/>
+              <a:t>4. Sensor de vibração</a:t>
+            </a:r>
+          </a:p>
+        </p:txBody>
+      </p:sp>
+      <p:pic>
+        <p:nvPicPr>
+          <p:cNvPr id="32" name="Imagem 31" descr="Imagem de vídeo game&#10;&#10;Descrição gerada automaticamente com confiança baixa">
+            <a:extLst>
+              <a:ext uri="{FF2B5EF4-FFF2-40B4-BE49-F238E27FC236}">
+                <a16:creationId xmlns:a16="http://schemas.microsoft.com/office/drawing/2014/main" id="{D873F35D-1F7A-BE11-F9DB-D1509AE940DA}"/>
+              </a:ext>
+            </a:extLst>
+          </p:cNvPr>
+          <p:cNvPicPr>
+            <a:picLocks noChangeAspect="1"/>
+          </p:cNvPicPr>
+          <p:nvPr/>
+        </p:nvPicPr>
+        <p:blipFill>
+          <a:blip r:embed="rId7"/>
+          <a:stretch>
+            <a:fillRect/>
+          </a:stretch>
+        </p:blipFill>
+        <p:spPr>
+          <a:xfrm>
+            <a:off x="12477614" y="6825490"/>
+            <a:ext cx="3622347" cy="3622347"/>
+          </a:xfrm>
+          <a:prstGeom prst="rect">
+            <a:avLst/>
+          </a:prstGeom>
+        </p:spPr>
+      </p:pic>
+      <p:sp>
+        <p:nvSpPr>
+          <p:cNvPr id="33" name="CaixaDeTexto 32">
+            <a:extLst>
+              <a:ext uri="{FF2B5EF4-FFF2-40B4-BE49-F238E27FC236}">
+                <a16:creationId xmlns:a16="http://schemas.microsoft.com/office/drawing/2014/main" id="{22F92CF9-21EC-001A-2AA8-3C3886D36277}"/>
+              </a:ext>
+            </a:extLst>
+          </p:cNvPr>
+          <p:cNvSpPr txBox="1"/>
+          <p:nvPr/>
+        </p:nvSpPr>
+        <p:spPr>
+          <a:xfrm>
+            <a:off x="12597156" y="9757482"/>
+            <a:ext cx="2820163" cy="954107"/>
+          </a:xfrm>
+          <a:prstGeom prst="rect">
+            <a:avLst/>
+          </a:prstGeom>
+          <a:noFill/>
+        </p:spPr>
+        <p:txBody>
+          <a:bodyPr wrap="square" rtlCol="0">
+            <a:spAutoFit/>
+          </a:bodyPr>
+          <a:lstStyle/>
+          <a:p>
+            <a:pPr algn="ctr"/>
+            <a:r>
+              <a:rPr lang="pt-BR" sz="2800" dirty="0"/>
+              <a:t>3. Sensor de temperatura</a:t>
+            </a:r>
+          </a:p>
+        </p:txBody>
+      </p:sp>
+      <p:pic>
+        <p:nvPicPr>
+          <p:cNvPr id="35" name="Imagem 34">
+            <a:extLst>
+              <a:ext uri="{FF2B5EF4-FFF2-40B4-BE49-F238E27FC236}">
+                <a16:creationId xmlns:a16="http://schemas.microsoft.com/office/drawing/2014/main" id="{F12DD5E9-C4A3-6226-4FB6-ED8B1AECC750}"/>
+              </a:ext>
+            </a:extLst>
+          </p:cNvPr>
+          <p:cNvPicPr>
+            <a:picLocks noChangeAspect="1"/>
+          </p:cNvPicPr>
+          <p:nvPr/>
+        </p:nvPicPr>
+        <p:blipFill>
+          <a:blip r:embed="rId8"/>
+          <a:stretch>
+            <a:fillRect/>
+          </a:stretch>
+        </p:blipFill>
+        <p:spPr>
+          <a:xfrm>
+            <a:off x="1245018" y="3495029"/>
+            <a:ext cx="4584818" cy="2091932"/>
+          </a:xfrm>
+          <a:prstGeom prst="rect">
+            <a:avLst/>
+          </a:prstGeom>
+        </p:spPr>
+      </p:pic>
+      <p:pic>
+        <p:nvPicPr>
+          <p:cNvPr id="37" name="Imagem 36" descr="Uma imagem contendo escuro, abajur, mesa, quarto&#10;&#10;Descrição gerada automaticamente">
+            <a:extLst>
+              <a:ext uri="{FF2B5EF4-FFF2-40B4-BE49-F238E27FC236}">
+                <a16:creationId xmlns:a16="http://schemas.microsoft.com/office/drawing/2014/main" id="{8BA06F4D-D7A7-C87C-CFEC-D4C4A21632B4}"/>
+              </a:ext>
+            </a:extLst>
+          </p:cNvPr>
+          <p:cNvPicPr>
+            <a:picLocks noChangeAspect="1"/>
+          </p:cNvPicPr>
+          <p:nvPr/>
+        </p:nvPicPr>
+        <p:blipFill>
+          <a:blip r:embed="rId9"/>
+          <a:stretch>
+            <a:fillRect/>
+          </a:stretch>
+        </p:blipFill>
+        <p:spPr>
+          <a:xfrm>
+            <a:off x="8628795" y="6489035"/>
+            <a:ext cx="3651795" cy="4175714"/>
+          </a:xfrm>
+          <a:prstGeom prst="rect">
+            <a:avLst/>
+          </a:prstGeom>
+        </p:spPr>
+      </p:pic>
+    </p:spTree>
+    <p:extLst>
+      <p:ext uri="{BB962C8B-B14F-4D97-AF65-F5344CB8AC3E}">
+        <p14:creationId xmlns:p14="http://schemas.microsoft.com/office/powerpoint/2010/main" val="1238652415"/>
+      </p:ext>
+    </p:extLst>
+  </p:cSld>
+  <p:clrMapOvr>
+    <a:masterClrMapping/>
+  </p:clrMapOvr>
+  <p:transition spd="slow">
+    <p:push/>
+  </p:transition>
+</p:sld>
+</file>
+
+<file path=ppt/slides/slide7.xml><?xml version="1.0" encoding="utf-8"?>
 <p:sld xmlns:a="http://schemas.openxmlformats.org/drawingml/2006/main" xmlns:r="http://schemas.openxmlformats.org/officeDocument/2006/relationships" xmlns:p="http://schemas.openxmlformats.org/presentationml/2006/main">
   <p:cSld>
     <p:bg>
@@ -5606,6 +6442,15 @@
 </file>
 
 <file path=customXml/item2.xml><?xml version="1.0" encoding="utf-8"?>
+<?mso-contentType ?>
+<FormTemplates xmlns="http://schemas.microsoft.com/sharepoint/v3/contenttype/forms">
+  <Display>DocumentLibraryForm</Display>
+  <Edit>DocumentLibraryForm</Edit>
+  <New>DocumentLibraryForm</New>
+</FormTemplates>
+</file>
+
+<file path=customXml/item3.xml><?xml version="1.0" encoding="utf-8"?>
 <ct:contentTypeSchema xmlns:ct="http://schemas.microsoft.com/office/2006/metadata/contentType" xmlns:ma="http://schemas.microsoft.com/office/2006/metadata/properties/metaAttributes" ct:_="" ma:_="" ma:contentTypeName="Documento" ma:contentTypeID="0x010100449B7C91391FBB4790D15430585BD576" ma:contentTypeVersion="18" ma:contentTypeDescription="Crie um novo documento." ma:contentTypeScope="" ma:versionID="dc57c6803945d94757fe35a4d74c8fb8">
   <xsd:schema xmlns:xsd="http://www.w3.org/2001/XMLSchema" xmlns:xs="http://www.w3.org/2001/XMLSchema" xmlns:p="http://schemas.microsoft.com/office/2006/metadata/properties" xmlns:ns1="http://schemas.microsoft.com/sharepoint/v3" xmlns:ns2="d24842f8-7ef1-496c-81d4-96339beddf31" xmlns:ns3="c449436b-c177-4fc4-b4b5-7bced3aa4339" targetNamespace="http://schemas.microsoft.com/office/2006/metadata/properties" ma:root="true" ma:fieldsID="7ea4fa947dd001e5ff297fbb62fb706d" ns1:_="" ns2:_="" ns3:_="">
     <xsd:import namespace="http://schemas.microsoft.com/sharepoint/v3"/>
@@ -5865,15 +6710,6 @@
 </ct:contentTypeSchema>
 </file>
 
-<file path=customXml/item3.xml><?xml version="1.0" encoding="utf-8"?>
-<?mso-contentType ?>
-<FormTemplates xmlns="http://schemas.microsoft.com/sharepoint/v3/contenttype/forms">
-  <Display>DocumentLibraryForm</Display>
-  <Edit>DocumentLibraryForm</Edit>
-  <New>DocumentLibraryForm</New>
-</FormTemplates>
-</file>
-
 <file path=customXml/itemProps1.xml><?xml version="1.0" encoding="utf-8"?>
 <ds:datastoreItem xmlns:ds="http://schemas.openxmlformats.org/officeDocument/2006/customXml" ds:itemID="{78BF64D1-9F31-4B6D-BA8C-18B7A9D8FC8A}">
   <ds:schemaRefs>
@@ -5893,6 +6729,14 @@
 </file>
 
 <file path=customXml/itemProps2.xml><?xml version="1.0" encoding="utf-8"?>
+<ds:datastoreItem xmlns:ds="http://schemas.openxmlformats.org/officeDocument/2006/customXml" ds:itemID="{D740AC13-7C5F-4F0C-A09E-2583DCA233CE}">
+  <ds:schemaRefs>
+    <ds:schemaRef ds:uri="http://schemas.microsoft.com/sharepoint/v3/contenttype/forms"/>
+  </ds:schemaRefs>
+</ds:datastoreItem>
+</file>
+
+<file path=customXml/itemProps3.xml><?xml version="1.0" encoding="utf-8"?>
 <ds:datastoreItem xmlns:ds="http://schemas.openxmlformats.org/officeDocument/2006/customXml" ds:itemID="{9465F7FE-3341-4738-B2B0-3D679C55E545}">
   <ds:schemaRefs>
     <ds:schemaRef ds:uri="http://schemas.microsoft.com/office/2006/metadata/contentType"/>
@@ -5910,12 +6754,4 @@
     <ds:schemaRef ds:uri="http://schemas.microsoft.com/internal/obd"/>
   </ds:schemaRefs>
 </ds:datastoreItem>
-</file>
-
-<file path=customXml/itemProps3.xml><?xml version="1.0" encoding="utf-8"?>
-<ds:datastoreItem xmlns:ds="http://schemas.openxmlformats.org/officeDocument/2006/customXml" ds:itemID="{D740AC13-7C5F-4F0C-A09E-2583DCA233CE}">
-  <ds:schemaRefs>
-    <ds:schemaRef ds:uri="http://schemas.microsoft.com/sharepoint/v3/contenttype/forms"/>
-  </ds:schemaRefs>
-</ds:datastoreItem>
 </file>
--- a/visitacras.pptx
+++ b/visitacras.pptx
@@ -5608,6 +5608,53 @@
           </a:prstGeom>
         </p:spPr>
       </p:pic>
+      <p:sp>
+        <p:nvSpPr>
+          <p:cNvPr id="2" name="CaixaDeTexto 1">
+            <a:extLst>
+              <a:ext uri="{FF2B5EF4-FFF2-40B4-BE49-F238E27FC236}">
+                <a16:creationId xmlns:a16="http://schemas.microsoft.com/office/drawing/2014/main" id="{CDD7095F-2577-EB5E-004C-B0E209C7FFBD}"/>
+              </a:ext>
+            </a:extLst>
+          </p:cNvPr>
+          <p:cNvSpPr txBox="1"/>
+          <p:nvPr/>
+        </p:nvSpPr>
+        <p:spPr>
+          <a:xfrm>
+            <a:off x="4965270" y="11501401"/>
+            <a:ext cx="12760224" cy="830997"/>
+          </a:xfrm>
+          <a:prstGeom prst="rect">
+            <a:avLst/>
+          </a:prstGeom>
+          <a:noFill/>
+        </p:spPr>
+        <p:txBody>
+          <a:bodyPr wrap="none" rtlCol="0">
+            <a:spAutoFit/>
+          </a:bodyPr>
+          <a:lstStyle/>
+          <a:p>
+            <a:pPr marL="685800" indent="-685800">
+              <a:buFont typeface="Arial" panose="020B0604020202020204" pitchFamily="34" charset="0"/>
+              <a:buChar char="•"/>
+            </a:pPr>
+            <a:r>
+              <a:rPr lang="pt-BR" sz="4800" b="1" dirty="0"/>
+              <a:t>E por último, abra o arquivo “nome”.</a:t>
+            </a:r>
+            <a:r>
+              <a:rPr lang="pt-BR" sz="4800" b="1" dirty="0" err="1"/>
+              <a:t>ino</a:t>
+            </a:r>
+            <a:r>
+              <a:rPr lang="pt-BR" sz="4800" b="1" dirty="0"/>
+              <a:t> </a:t>
+            </a:r>
+          </a:p>
+        </p:txBody>
+      </p:sp>
     </p:spTree>
     <p:extLst>
       <p:ext uri="{BB962C8B-B14F-4D97-AF65-F5344CB8AC3E}">
@@ -6442,15 +6489,6 @@
 </file>
 
 <file path=customXml/item2.xml><?xml version="1.0" encoding="utf-8"?>
-<?mso-contentType ?>
-<FormTemplates xmlns="http://schemas.microsoft.com/sharepoint/v3/contenttype/forms">
-  <Display>DocumentLibraryForm</Display>
-  <Edit>DocumentLibraryForm</Edit>
-  <New>DocumentLibraryForm</New>
-</FormTemplates>
-</file>
-
-<file path=customXml/item3.xml><?xml version="1.0" encoding="utf-8"?>
 <ct:contentTypeSchema xmlns:ct="http://schemas.microsoft.com/office/2006/metadata/contentType" xmlns:ma="http://schemas.microsoft.com/office/2006/metadata/properties/metaAttributes" ct:_="" ma:_="" ma:contentTypeName="Documento" ma:contentTypeID="0x010100449B7C91391FBB4790D15430585BD576" ma:contentTypeVersion="18" ma:contentTypeDescription="Crie um novo documento." ma:contentTypeScope="" ma:versionID="dc57c6803945d94757fe35a4d74c8fb8">
   <xsd:schema xmlns:xsd="http://www.w3.org/2001/XMLSchema" xmlns:xs="http://www.w3.org/2001/XMLSchema" xmlns:p="http://schemas.microsoft.com/office/2006/metadata/properties" xmlns:ns1="http://schemas.microsoft.com/sharepoint/v3" xmlns:ns2="d24842f8-7ef1-496c-81d4-96339beddf31" xmlns:ns3="c449436b-c177-4fc4-b4b5-7bced3aa4339" targetNamespace="http://schemas.microsoft.com/office/2006/metadata/properties" ma:root="true" ma:fieldsID="7ea4fa947dd001e5ff297fbb62fb706d" ns1:_="" ns2:_="" ns3:_="">
     <xsd:import namespace="http://schemas.microsoft.com/sharepoint/v3"/>
@@ -6710,6 +6748,15 @@
 </ct:contentTypeSchema>
 </file>
 
+<file path=customXml/item3.xml><?xml version="1.0" encoding="utf-8"?>
+<?mso-contentType ?>
+<FormTemplates xmlns="http://schemas.microsoft.com/sharepoint/v3/contenttype/forms">
+  <Display>DocumentLibraryForm</Display>
+  <Edit>DocumentLibraryForm</Edit>
+  <New>DocumentLibraryForm</New>
+</FormTemplates>
+</file>
+
 <file path=customXml/itemProps1.xml><?xml version="1.0" encoding="utf-8"?>
 <ds:datastoreItem xmlns:ds="http://schemas.openxmlformats.org/officeDocument/2006/customXml" ds:itemID="{78BF64D1-9F31-4B6D-BA8C-18B7A9D8FC8A}">
   <ds:schemaRefs>
@@ -6729,14 +6776,6 @@
 </file>
 
 <file path=customXml/itemProps2.xml><?xml version="1.0" encoding="utf-8"?>
-<ds:datastoreItem xmlns:ds="http://schemas.openxmlformats.org/officeDocument/2006/customXml" ds:itemID="{D740AC13-7C5F-4F0C-A09E-2583DCA233CE}">
-  <ds:schemaRefs>
-    <ds:schemaRef ds:uri="http://schemas.microsoft.com/sharepoint/v3/contenttype/forms"/>
-  </ds:schemaRefs>
-</ds:datastoreItem>
-</file>
-
-<file path=customXml/itemProps3.xml><?xml version="1.0" encoding="utf-8"?>
 <ds:datastoreItem xmlns:ds="http://schemas.openxmlformats.org/officeDocument/2006/customXml" ds:itemID="{9465F7FE-3341-4738-B2B0-3D679C55E545}">
   <ds:schemaRefs>
     <ds:schemaRef ds:uri="http://schemas.microsoft.com/office/2006/metadata/contentType"/>
@@ -6754,4 +6793,12 @@
     <ds:schemaRef ds:uri="http://schemas.microsoft.com/internal/obd"/>
   </ds:schemaRefs>
 </ds:datastoreItem>
+</file>
+
+<file path=customXml/itemProps3.xml><?xml version="1.0" encoding="utf-8"?>
+<ds:datastoreItem xmlns:ds="http://schemas.openxmlformats.org/officeDocument/2006/customXml" ds:itemID="{D740AC13-7C5F-4F0C-A09E-2583DCA233CE}">
+  <ds:schemaRefs>
+    <ds:schemaRef ds:uri="http://schemas.microsoft.com/sharepoint/v3/contenttype/forms"/>
+  </ds:schemaRefs>
+</ds:datastoreItem>
 </file>